--- a/Slides/Unit 2/CS8392-U2-Interfaces.pptx
+++ b/Slides/Unit 2/CS8392-U2-Interfaces.pptx
@@ -208,7 +208,7 @@
             <a:fld id="{9515075B-F3F0-4441-A1BD-B7B515B708FF}" type="datetimeFigureOut">
               <a:rPr lang="en-US" smtClean="0"/>
               <a:pPr/>
-              <a:t>8/10/2018</a:t>
+              <a:t>8/11/2018</a:t>
             </a:fld>
             <a:endParaRPr lang="en-US"/>
           </a:p>
@@ -745,7 +745,7 @@
             <a:fld id="{6E658DF8-B8C0-4C7F-85EB-B53A2DDD44A9}" type="datetimeFigureOut">
               <a:rPr lang="en-US" smtClean="0"/>
               <a:pPr/>
-              <a:t>8/10/2018</a:t>
+              <a:t>8/11/2018</a:t>
             </a:fld>
             <a:endParaRPr lang="en-US"/>
           </a:p>
@@ -912,7 +912,7 @@
             <a:fld id="{6E658DF8-B8C0-4C7F-85EB-B53A2DDD44A9}" type="datetimeFigureOut">
               <a:rPr lang="en-US" smtClean="0"/>
               <a:pPr/>
-              <a:t>8/10/2018</a:t>
+              <a:t>8/11/2018</a:t>
             </a:fld>
             <a:endParaRPr lang="en-US"/>
           </a:p>
@@ -1089,7 +1089,7 @@
             <a:fld id="{6E658DF8-B8C0-4C7F-85EB-B53A2DDD44A9}" type="datetimeFigureOut">
               <a:rPr lang="en-US" smtClean="0"/>
               <a:pPr/>
-              <a:t>8/10/2018</a:t>
+              <a:t>8/11/2018</a:t>
             </a:fld>
             <a:endParaRPr lang="en-US"/>
           </a:p>
@@ -1288,7 +1288,7 @@
             <a:fld id="{6E658DF8-B8C0-4C7F-85EB-B53A2DDD44A9}" type="datetimeFigureOut">
               <a:rPr lang="en-US" smtClean="0"/>
               <a:pPr/>
-              <a:t>8/10/2018</a:t>
+              <a:t>8/11/2018</a:t>
             </a:fld>
             <a:endParaRPr lang="en-US"/>
           </a:p>
@@ -1531,7 +1531,7 @@
             <a:fld id="{6E658DF8-B8C0-4C7F-85EB-B53A2DDD44A9}" type="datetimeFigureOut">
               <a:rPr lang="en-US" smtClean="0"/>
               <a:pPr/>
-              <a:t>8/10/2018</a:t>
+              <a:t>8/11/2018</a:t>
             </a:fld>
             <a:endParaRPr lang="en-US"/>
           </a:p>
@@ -1816,7 +1816,7 @@
             <a:fld id="{6E658DF8-B8C0-4C7F-85EB-B53A2DDD44A9}" type="datetimeFigureOut">
               <a:rPr lang="en-US" smtClean="0"/>
               <a:pPr/>
-              <a:t>8/10/2018</a:t>
+              <a:t>8/11/2018</a:t>
             </a:fld>
             <a:endParaRPr lang="en-US"/>
           </a:p>
@@ -2235,7 +2235,7 @@
             <a:fld id="{6E658DF8-B8C0-4C7F-85EB-B53A2DDD44A9}" type="datetimeFigureOut">
               <a:rPr lang="en-US" smtClean="0"/>
               <a:pPr/>
-              <a:t>8/10/2018</a:t>
+              <a:t>8/11/2018</a:t>
             </a:fld>
             <a:endParaRPr lang="en-US"/>
           </a:p>
@@ -2350,7 +2350,7 @@
             <a:fld id="{6E658DF8-B8C0-4C7F-85EB-B53A2DDD44A9}" type="datetimeFigureOut">
               <a:rPr lang="en-US" smtClean="0"/>
               <a:pPr/>
-              <a:t>8/10/2018</a:t>
+              <a:t>8/11/2018</a:t>
             </a:fld>
             <a:endParaRPr lang="en-US"/>
           </a:p>
@@ -2442,7 +2442,7 @@
             <a:fld id="{6E658DF8-B8C0-4C7F-85EB-B53A2DDD44A9}" type="datetimeFigureOut">
               <a:rPr lang="en-US" smtClean="0"/>
               <a:pPr/>
-              <a:t>8/10/2018</a:t>
+              <a:t>8/11/2018</a:t>
             </a:fld>
             <a:endParaRPr lang="en-US"/>
           </a:p>
@@ -2716,7 +2716,7 @@
             <a:fld id="{6E658DF8-B8C0-4C7F-85EB-B53A2DDD44A9}" type="datetimeFigureOut">
               <a:rPr lang="en-US" smtClean="0"/>
               <a:pPr/>
-              <a:t>8/10/2018</a:t>
+              <a:t>8/11/2018</a:t>
             </a:fld>
             <a:endParaRPr lang="en-US"/>
           </a:p>
@@ -2966,7 +2966,7 @@
             <a:fld id="{6E658DF8-B8C0-4C7F-85EB-B53A2DDD44A9}" type="datetimeFigureOut">
               <a:rPr lang="en-US" smtClean="0"/>
               <a:pPr/>
-              <a:t>8/10/2018</a:t>
+              <a:t>8/11/2018</a:t>
             </a:fld>
             <a:endParaRPr lang="en-US"/>
           </a:p>
@@ -3182,7 +3182,7 @@
             <a:fld id="{6E658DF8-B8C0-4C7F-85EB-B53A2DDD44A9}" type="datetimeFigureOut">
               <a:rPr lang="en-US" smtClean="0"/>
               <a:pPr/>
-              <a:t>8/10/2018</a:t>
+              <a:t>8/11/2018</a:t>
             </a:fld>
             <a:endParaRPr lang="en-US"/>
           </a:p>
@@ -5328,7 +5328,7 @@
         </p:nvGraphicFramePr>
         <p:xfrm>
           <a:off x="457200" y="1600200"/>
-          <a:ext cx="8229600" cy="4145280"/>
+          <a:ext cx="8229600" cy="4307840"/>
         </p:xfrm>
         <a:graphic>
           <a:graphicData uri="http://schemas.openxmlformats.org/drawingml/2006/table">
@@ -5340,7 +5340,7 @@
                 <a:gridCol w="4114800"/>
                 <a:gridCol w="4114800"/>
               </a:tblGrid>
-              <a:tr h="370840">
+              <a:tr h="533400">
                 <a:tc>
                   <a:txBody>
                     <a:bodyPr/>
@@ -7935,19 +7935,7 @@
           <a:p>
             <a:r>
               <a:rPr lang="en-IN" dirty="0" smtClean="0"/>
-              <a:t>If a class implements an interface then it must implement all the abstract methods of interface otherwise the </a:t>
-            </a:r>
-            <a:r>
-              <a:rPr lang="en-IN" smtClean="0"/>
-              <a:t>class </a:t>
-            </a:r>
-            <a:r>
-              <a:rPr lang="en-IN" smtClean="0"/>
-              <a:t>consider </a:t>
-            </a:r>
-            <a:r>
-              <a:rPr lang="en-IN" dirty="0" smtClean="0"/>
-              <a:t>as abstract class.</a:t>
+              <a:t>If a class implements an interface then it must implement all the abstract methods of interface otherwise the class consider as abstract class.</a:t>
             </a:r>
           </a:p>
         </p:txBody>
@@ -9420,6 +9408,13 @@
   <p:clrMapOvr>
     <a:masterClrMapping/>
   </p:clrMapOvr>
+  <p:timing>
+    <p:tnLst>
+      <p:par>
+        <p:cTn id="1" dur="indefinite" restart="never" nodeType="tmRoot"/>
+      </p:par>
+    </p:tnLst>
+  </p:timing>
 </p:sld>
 </file>
 
@@ -9788,6 +9783,13 @@
   <p:clrMapOvr>
     <a:masterClrMapping/>
   </p:clrMapOvr>
+  <p:timing>
+    <p:tnLst>
+      <p:par>
+        <p:cTn id="1" dur="indefinite" restart="never" nodeType="tmRoot"/>
+      </p:par>
+    </p:tnLst>
+  </p:timing>
 </p:sld>
 </file>
 
